--- a/0 portfolio/약국 재고관리 앱/PPT/210409_로또번호 생성기.pptx
+++ b/0 portfolio/약국 재고관리 앱/PPT/210409_로또번호 생성기.pptx
@@ -24,20 +24,20 @@
   <p:notesSz cx="6858000" cy="9144000"/>
   <p:embeddedFontLst>
     <p:embeddedFont>
-      <p:font typeface="한수원 한돋움 Bold" pitchFamily="50" charset="-127"/>
+      <p:font typeface="한수원 한돋움" panose="020B0600000101010101" pitchFamily="50" charset="-127"/>
       <p:bold r:id="rId12"/>
     </p:embeddedFont>
     <p:embeddedFont>
-      <p:font typeface="나눔바른고딕 Light" pitchFamily="50" charset="-127"/>
+      <p:font typeface="나눔바른고딕 Light" panose="020B0603020101020101" pitchFamily="50" charset="-127"/>
       <p:regular r:id="rId13"/>
     </p:embeddedFont>
     <p:embeddedFont>
-      <p:font typeface="한수원 한돋움" pitchFamily="50" charset="-127"/>
-      <p:bold r:id="rId14"/>
+      <p:font typeface="맑은 고딕" panose="020B0503020000020004" pitchFamily="50" charset="-127"/>
+      <p:regular r:id="rId14"/>
+      <p:bold r:id="rId15"/>
     </p:embeddedFont>
     <p:embeddedFont>
-      <p:font typeface="맑은 고딕" pitchFamily="50" charset="-127"/>
-      <p:regular r:id="rId15"/>
+      <p:font typeface="한수원 한돋움 Bold" panose="020B0600000101010101" pitchFamily="50" charset="-127"/>
       <p:bold r:id="rId16"/>
     </p:embeddedFont>
   </p:embeddedFontLst>
@@ -136,11 +136,41 @@
       </a:defRPr>
     </a:lvl9pPr>
   </p:defaultTextStyle>
+  <p:extLst>
+    <p:ext uri="{EFAFB233-063F-42B5-8137-9DF3F51BA10A}">
+      <p15:sldGuideLst xmlns:p15="http://schemas.microsoft.com/office/powerpoint/2012/main">
+        <p15:guide id="1" orient="horz" pos="1620">
+          <p15:clr>
+            <a:srgbClr val="A4A3A4"/>
+          </p15:clr>
+        </p15:guide>
+        <p15:guide id="2" pos="2880">
+          <p15:clr>
+            <a:srgbClr val="A4A3A4"/>
+          </p15:clr>
+        </p15:guide>
+      </p15:sldGuideLst>
+    </p:ext>
+    <p:ext uri="{2D200454-40CA-4A62-9FC3-DE9A4176ACB9}">
+      <p15:notesGuideLst xmlns:p15="http://schemas.microsoft.com/office/powerpoint/2012/main">
+        <p15:guide id="1" orient="horz" pos="2880">
+          <p15:clr>
+            <a:srgbClr val="A4A3A4"/>
+          </p15:clr>
+        </p15:guide>
+        <p15:guide id="2" pos="2160">
+          <p15:clr>
+            <a:srgbClr val="A4A3A4"/>
+          </p15:clr>
+        </p15:guide>
+      </p15:notesGuideLst>
+    </p:ext>
+  </p:extLst>
 </p:presentation>
 </file>
 
 <file path=ppt/charts/chart1.xml><?xml version="1.0" encoding="utf-8"?>
-<c:chartSpace xmlns:c="http://schemas.openxmlformats.org/drawingml/2006/chart" xmlns:a="http://schemas.openxmlformats.org/drawingml/2006/main" xmlns:r="http://schemas.openxmlformats.org/officeDocument/2006/relationships">
+<c:chartSpace xmlns:c="http://schemas.openxmlformats.org/drawingml/2006/chart" xmlns:a="http://schemas.openxmlformats.org/drawingml/2006/main" xmlns:r="http://schemas.openxmlformats.org/officeDocument/2006/relationships" xmlns:c16r2="http://schemas.microsoft.com/office/drawing/2015/06/chart">
   <c:date1904 val="0"/>
   <c:lang val="ko-KR"/>
   <c:roundedCorners val="0"/>
@@ -314,6 +344,12 @@
             <c:showPercent val="0"/>
             <c:showBubbleSize val="0"/>
             <c:showLeaderLines val="0"/>
+            <c:extLst>
+              <c:ext xmlns:c15="http://schemas.microsoft.com/office/drawing/2012/chart" uri="{CE6537A1-D6FC-4f65-9D91-7224C49458BB}">
+                <c15:layout/>
+                <c15:showLeaderLines val="0"/>
+              </c:ext>
+            </c:extLst>
           </c:dLbls>
           <c:cat>
             <c:numRef>
@@ -603,6 +639,11 @@
               </c:numCache>
             </c:numRef>
           </c:val>
+          <c:extLst>
+            <c:ext xmlns:c16="http://schemas.microsoft.com/office/drawing/2014/chart" uri="{C3380CC4-5D6E-409C-BE32-E72D297353CC}">
+              <c16:uniqueId val="{00000000-9810-4526-B9FB-2142229B5032}"/>
+            </c:ext>
+          </c:extLst>
         </c:ser>
         <c:dLbls>
           <c:dLblPos val="outEnd"/>
@@ -769,7 +810,7 @@
           <a:p>
             <a:fld id="{3D914578-7EF3-4727-BD42-39B967B9454B}" type="datetimeFigureOut">
               <a:rPr lang="ko-KR" altLang="en-US" smtClean="0"/>
-              <a:t>2021-04-11</a:t>
+              <a:t>2021-04-29</a:t>
             </a:fld>
             <a:endParaRPr lang="ko-KR" altLang="en-US"/>
           </a:p>
@@ -934,7 +975,7 @@
           <a:p>
             <a:fld id="{4E69F32D-416B-41F8-965B-AFE94DF4D917}" type="datetimeFigureOut">
               <a:rPr lang="ko-KR" altLang="en-US" smtClean="0"/>
-              <a:t>2021-04-11</a:t>
+              <a:t>2021-04-29</a:t>
             </a:fld>
             <a:endParaRPr lang="ko-KR" altLang="en-US"/>
           </a:p>
@@ -1476,7 +1517,7 @@
           <p:cNvPr id="4" name="날짜 개체 틀 3">
             <a:extLst>
               <a:ext uri="{FF2B5EF4-FFF2-40B4-BE49-F238E27FC236}">
-                <a16:creationId xmlns="" xmlns:a16="http://schemas.microsoft.com/office/drawing/2014/main" id="{3BA2C713-AC81-4EB2-9330-581E0B6AE811}"/>
+                <a16:creationId xmlns:a16="http://schemas.microsoft.com/office/drawing/2014/main" id="{3BA2C713-AC81-4EB2-9330-581E0B6AE811}"/>
               </a:ext>
             </a:extLst>
           </p:cNvPr>
@@ -1494,7 +1535,7 @@
           <a:p>
             <a:fld id="{CF798D60-6305-4CBF-A4B2-1F42DE11A197}" type="datetimeFigureOut">
               <a:rPr lang="ko-KR" altLang="en-US" smtClean="0"/>
-              <a:t>2021-04-11</a:t>
+              <a:t>2021-04-29</a:t>
             </a:fld>
             <a:endParaRPr lang="ko-KR" altLang="en-US"/>
           </a:p>
@@ -1505,7 +1546,7 @@
           <p:cNvPr id="5" name="바닥글 개체 틀 4">
             <a:extLst>
               <a:ext uri="{FF2B5EF4-FFF2-40B4-BE49-F238E27FC236}">
-                <a16:creationId xmlns="" xmlns:a16="http://schemas.microsoft.com/office/drawing/2014/main" id="{1F0F55EC-D62C-46D0-85AA-2079E978B3AC}"/>
+                <a16:creationId xmlns:a16="http://schemas.microsoft.com/office/drawing/2014/main" id="{1F0F55EC-D62C-46D0-85AA-2079E978B3AC}"/>
               </a:ext>
             </a:extLst>
           </p:cNvPr>
@@ -1530,7 +1571,7 @@
           <p:cNvPr id="6" name="슬라이드 번호 개체 틀 5">
             <a:extLst>
               <a:ext uri="{FF2B5EF4-FFF2-40B4-BE49-F238E27FC236}">
-                <a16:creationId xmlns="" xmlns:a16="http://schemas.microsoft.com/office/drawing/2014/main" id="{A786F994-D68F-40EE-B340-2867A153420B}"/>
+                <a16:creationId xmlns:a16="http://schemas.microsoft.com/office/drawing/2014/main" id="{A786F994-D68F-40EE-B340-2867A153420B}"/>
               </a:ext>
             </a:extLst>
           </p:cNvPr>
@@ -1564,6 +1605,18 @@
   <p:clrMapOvr>
     <a:masterClrMapping/>
   </p:clrMapOvr>
+  <mc:AlternateContent xmlns:mc="http://schemas.openxmlformats.org/markup-compatibility/2006" xmlns:p14="http://schemas.microsoft.com/office/powerpoint/2010/main">
+    <mc:Choice Requires="p14">
+      <p:transition p14:dur="300" advClick="0">
+        <p:push/>
+      </p:transition>
+    </mc:Choice>
+    <mc:Fallback xmlns="">
+      <p:transition advClick="0">
+        <p:push/>
+      </p:transition>
+    </mc:Fallback>
+  </mc:AlternateContent>
   <p:timing>
     <p:tnLst>
       <p:par>
@@ -1573,7 +1626,7 @@
   </p:timing>
   <p:extLst mod="1">
     <p:ext uri="{DCECCB84-F9BA-43D5-87BE-67443E8EF086}">
-      <p15:sldGuideLst xmlns="" xmlns:p15="http://schemas.microsoft.com/office/powerpoint/2012/main">
+      <p15:sldGuideLst xmlns:p15="http://schemas.microsoft.com/office/powerpoint/2012/main">
         <p15:guide id="1" orient="horz" pos="278" userDrawn="1">
           <p15:clr>
             <a:srgbClr val="FBAE40"/>
@@ -1622,7 +1675,7 @@
           <p:cNvPr id="4" name="날짜 개체 틀 3">
             <a:extLst>
               <a:ext uri="{FF2B5EF4-FFF2-40B4-BE49-F238E27FC236}">
-                <a16:creationId xmlns="" xmlns:a16="http://schemas.microsoft.com/office/drawing/2014/main" id="{46623D75-7690-462B-A0DC-A4F3108DC644}"/>
+                <a16:creationId xmlns:a16="http://schemas.microsoft.com/office/drawing/2014/main" id="{46623D75-7690-462B-A0DC-A4F3108DC644}"/>
               </a:ext>
             </a:extLst>
           </p:cNvPr>
@@ -1640,7 +1693,7 @@
           <a:p>
             <a:fld id="{CF798D60-6305-4CBF-A4B2-1F42DE11A197}" type="datetimeFigureOut">
               <a:rPr lang="ko-KR" altLang="en-US" smtClean="0"/>
-              <a:t>2021-04-11</a:t>
+              <a:t>2021-04-29</a:t>
             </a:fld>
             <a:endParaRPr lang="ko-KR" altLang="en-US"/>
           </a:p>
@@ -1651,7 +1704,7 @@
           <p:cNvPr id="5" name="바닥글 개체 틀 4">
             <a:extLst>
               <a:ext uri="{FF2B5EF4-FFF2-40B4-BE49-F238E27FC236}">
-                <a16:creationId xmlns="" xmlns:a16="http://schemas.microsoft.com/office/drawing/2014/main" id="{70F3BCB1-6A24-432F-A778-B735C6861206}"/>
+                <a16:creationId xmlns:a16="http://schemas.microsoft.com/office/drawing/2014/main" id="{70F3BCB1-6A24-432F-A778-B735C6861206}"/>
               </a:ext>
             </a:extLst>
           </p:cNvPr>
@@ -1676,7 +1729,7 @@
           <p:cNvPr id="6" name="슬라이드 번호 개체 틀 5">
             <a:extLst>
               <a:ext uri="{FF2B5EF4-FFF2-40B4-BE49-F238E27FC236}">
-                <a16:creationId xmlns="" xmlns:a16="http://schemas.microsoft.com/office/drawing/2014/main" id="{FB4ED32B-3446-46D1-A849-41F78A9D9060}"/>
+                <a16:creationId xmlns:a16="http://schemas.microsoft.com/office/drawing/2014/main" id="{FB4ED32B-3446-46D1-A849-41F78A9D9060}"/>
               </a:ext>
             </a:extLst>
           </p:cNvPr>
@@ -1705,7 +1758,7 @@
           <p:cNvPr id="7" name="TextBox 6">
             <a:extLst>
               <a:ext uri="{FF2B5EF4-FFF2-40B4-BE49-F238E27FC236}">
-                <a16:creationId xmlns="" xmlns:a16="http://schemas.microsoft.com/office/drawing/2014/main" id="{A1687216-9C76-4F29-934C-F430DF40C5FA}"/>
+                <a16:creationId xmlns:a16="http://schemas.microsoft.com/office/drawing/2014/main" id="{A1687216-9C76-4F29-934C-F430DF40C5FA}"/>
               </a:ext>
             </a:extLst>
           </p:cNvPr>
@@ -1867,6 +1920,18 @@
   <p:clrMapOvr>
     <a:masterClrMapping/>
   </p:clrMapOvr>
+  <mc:AlternateContent xmlns:mc="http://schemas.openxmlformats.org/markup-compatibility/2006" xmlns:p14="http://schemas.microsoft.com/office/powerpoint/2010/main">
+    <mc:Choice Requires="p14">
+      <p:transition p14:dur="300" advClick="0">
+        <p:push/>
+      </p:transition>
+    </mc:Choice>
+    <mc:Fallback xmlns="">
+      <p:transition advClick="0">
+        <p:push/>
+      </p:transition>
+    </mc:Fallback>
+  </mc:AlternateContent>
   <p:timing>
     <p:tnLst>
       <p:par>
@@ -1899,7 +1964,7 @@
           <p:cNvPr id="4" name="날짜 개체 틀 3">
             <a:extLst>
               <a:ext uri="{FF2B5EF4-FFF2-40B4-BE49-F238E27FC236}">
-                <a16:creationId xmlns="" xmlns:a16="http://schemas.microsoft.com/office/drawing/2014/main" id="{46623D75-7690-462B-A0DC-A4F3108DC644}"/>
+                <a16:creationId xmlns:a16="http://schemas.microsoft.com/office/drawing/2014/main" id="{46623D75-7690-462B-A0DC-A4F3108DC644}"/>
               </a:ext>
             </a:extLst>
           </p:cNvPr>
@@ -1917,7 +1982,7 @@
           <a:p>
             <a:fld id="{CF798D60-6305-4CBF-A4B2-1F42DE11A197}" type="datetimeFigureOut">
               <a:rPr lang="ko-KR" altLang="en-US" smtClean="0"/>
-              <a:t>2021-04-11</a:t>
+              <a:t>2021-04-29</a:t>
             </a:fld>
             <a:endParaRPr lang="ko-KR" altLang="en-US"/>
           </a:p>
@@ -1928,7 +1993,7 @@
           <p:cNvPr id="5" name="바닥글 개체 틀 4">
             <a:extLst>
               <a:ext uri="{FF2B5EF4-FFF2-40B4-BE49-F238E27FC236}">
-                <a16:creationId xmlns="" xmlns:a16="http://schemas.microsoft.com/office/drawing/2014/main" id="{70F3BCB1-6A24-432F-A778-B735C6861206}"/>
+                <a16:creationId xmlns:a16="http://schemas.microsoft.com/office/drawing/2014/main" id="{70F3BCB1-6A24-432F-A778-B735C6861206}"/>
               </a:ext>
             </a:extLst>
           </p:cNvPr>
@@ -1953,7 +2018,7 @@
           <p:cNvPr id="6" name="슬라이드 번호 개체 틀 5">
             <a:extLst>
               <a:ext uri="{FF2B5EF4-FFF2-40B4-BE49-F238E27FC236}">
-                <a16:creationId xmlns="" xmlns:a16="http://schemas.microsoft.com/office/drawing/2014/main" id="{FB4ED32B-3446-46D1-A849-41F78A9D9060}"/>
+                <a16:creationId xmlns:a16="http://schemas.microsoft.com/office/drawing/2014/main" id="{FB4ED32B-3446-46D1-A849-41F78A9D9060}"/>
               </a:ext>
             </a:extLst>
           </p:cNvPr>
@@ -1982,7 +2047,7 @@
           <p:cNvPr id="7" name="TextBox 6">
             <a:extLst>
               <a:ext uri="{FF2B5EF4-FFF2-40B4-BE49-F238E27FC236}">
-                <a16:creationId xmlns="" xmlns:a16="http://schemas.microsoft.com/office/drawing/2014/main" id="{A1687216-9C76-4F29-934C-F430DF40C5FA}"/>
+                <a16:creationId xmlns:a16="http://schemas.microsoft.com/office/drawing/2014/main" id="{A1687216-9C76-4F29-934C-F430DF40C5FA}"/>
               </a:ext>
             </a:extLst>
           </p:cNvPr>
@@ -2123,6 +2188,18 @@
   <p:clrMapOvr>
     <a:masterClrMapping/>
   </p:clrMapOvr>
+  <mc:AlternateContent xmlns:mc="http://schemas.openxmlformats.org/markup-compatibility/2006" xmlns:p14="http://schemas.microsoft.com/office/powerpoint/2010/main">
+    <mc:Choice Requires="p14">
+      <p:transition p14:dur="300" advClick="0">
+        <p:push/>
+      </p:transition>
+    </mc:Choice>
+    <mc:Fallback xmlns="">
+      <p:transition advClick="0">
+        <p:push/>
+      </p:transition>
+    </mc:Fallback>
+  </mc:AlternateContent>
   <p:timing>
     <p:tnLst>
       <p:par>
@@ -2155,7 +2232,7 @@
           <p:cNvPr id="4" name="날짜 개체 틀 3">
             <a:extLst>
               <a:ext uri="{FF2B5EF4-FFF2-40B4-BE49-F238E27FC236}">
-                <a16:creationId xmlns="" xmlns:a16="http://schemas.microsoft.com/office/drawing/2014/main" id="{46623D75-7690-462B-A0DC-A4F3108DC644}"/>
+                <a16:creationId xmlns:a16="http://schemas.microsoft.com/office/drawing/2014/main" id="{46623D75-7690-462B-A0DC-A4F3108DC644}"/>
               </a:ext>
             </a:extLst>
           </p:cNvPr>
@@ -2173,7 +2250,7 @@
           <a:p>
             <a:fld id="{CF798D60-6305-4CBF-A4B2-1F42DE11A197}" type="datetimeFigureOut">
               <a:rPr lang="ko-KR" altLang="en-US" smtClean="0"/>
-              <a:t>2021-04-11</a:t>
+              <a:t>2021-04-29</a:t>
             </a:fld>
             <a:endParaRPr lang="ko-KR" altLang="en-US"/>
           </a:p>
@@ -2184,7 +2261,7 @@
           <p:cNvPr id="5" name="바닥글 개체 틀 4">
             <a:extLst>
               <a:ext uri="{FF2B5EF4-FFF2-40B4-BE49-F238E27FC236}">
-                <a16:creationId xmlns="" xmlns:a16="http://schemas.microsoft.com/office/drawing/2014/main" id="{70F3BCB1-6A24-432F-A778-B735C6861206}"/>
+                <a16:creationId xmlns:a16="http://schemas.microsoft.com/office/drawing/2014/main" id="{70F3BCB1-6A24-432F-A778-B735C6861206}"/>
               </a:ext>
             </a:extLst>
           </p:cNvPr>
@@ -2209,7 +2286,7 @@
           <p:cNvPr id="6" name="슬라이드 번호 개체 틀 5">
             <a:extLst>
               <a:ext uri="{FF2B5EF4-FFF2-40B4-BE49-F238E27FC236}">
-                <a16:creationId xmlns="" xmlns:a16="http://schemas.microsoft.com/office/drawing/2014/main" id="{FB4ED32B-3446-46D1-A849-41F78A9D9060}"/>
+                <a16:creationId xmlns:a16="http://schemas.microsoft.com/office/drawing/2014/main" id="{FB4ED32B-3446-46D1-A849-41F78A9D9060}"/>
               </a:ext>
             </a:extLst>
           </p:cNvPr>
@@ -2238,7 +2315,7 @@
           <p:cNvPr id="7" name="TextBox 6">
             <a:extLst>
               <a:ext uri="{FF2B5EF4-FFF2-40B4-BE49-F238E27FC236}">
-                <a16:creationId xmlns="" xmlns:a16="http://schemas.microsoft.com/office/drawing/2014/main" id="{A1687216-9C76-4F29-934C-F430DF40C5FA}"/>
+                <a16:creationId xmlns:a16="http://schemas.microsoft.com/office/drawing/2014/main" id="{A1687216-9C76-4F29-934C-F430DF40C5FA}"/>
               </a:ext>
             </a:extLst>
           </p:cNvPr>
@@ -2379,6 +2456,18 @@
   <p:clrMapOvr>
     <a:masterClrMapping/>
   </p:clrMapOvr>
+  <mc:AlternateContent xmlns:mc="http://schemas.openxmlformats.org/markup-compatibility/2006" xmlns:p14="http://schemas.microsoft.com/office/powerpoint/2010/main">
+    <mc:Choice Requires="p14">
+      <p:transition p14:dur="300" advClick="0">
+        <p:push/>
+      </p:transition>
+    </mc:Choice>
+    <mc:Fallback xmlns="">
+      <p:transition advClick="0">
+        <p:push/>
+      </p:transition>
+    </mc:Fallback>
+  </mc:AlternateContent>
   <p:timing>
     <p:tnLst>
       <p:par>
@@ -2411,7 +2500,7 @@
           <p:cNvPr id="4" name="날짜 개체 틀 3">
             <a:extLst>
               <a:ext uri="{FF2B5EF4-FFF2-40B4-BE49-F238E27FC236}">
-                <a16:creationId xmlns="" xmlns:a16="http://schemas.microsoft.com/office/drawing/2014/main" id="{46623D75-7690-462B-A0DC-A4F3108DC644}"/>
+                <a16:creationId xmlns:a16="http://schemas.microsoft.com/office/drawing/2014/main" id="{46623D75-7690-462B-A0DC-A4F3108DC644}"/>
               </a:ext>
             </a:extLst>
           </p:cNvPr>
@@ -2429,7 +2518,7 @@
           <a:p>
             <a:fld id="{CF798D60-6305-4CBF-A4B2-1F42DE11A197}" type="datetimeFigureOut">
               <a:rPr lang="ko-KR" altLang="en-US" smtClean="0"/>
-              <a:t>2021-04-11</a:t>
+              <a:t>2021-04-29</a:t>
             </a:fld>
             <a:endParaRPr lang="ko-KR" altLang="en-US"/>
           </a:p>
@@ -2440,7 +2529,7 @@
           <p:cNvPr id="5" name="바닥글 개체 틀 4">
             <a:extLst>
               <a:ext uri="{FF2B5EF4-FFF2-40B4-BE49-F238E27FC236}">
-                <a16:creationId xmlns="" xmlns:a16="http://schemas.microsoft.com/office/drawing/2014/main" id="{70F3BCB1-6A24-432F-A778-B735C6861206}"/>
+                <a16:creationId xmlns:a16="http://schemas.microsoft.com/office/drawing/2014/main" id="{70F3BCB1-6A24-432F-A778-B735C6861206}"/>
               </a:ext>
             </a:extLst>
           </p:cNvPr>
@@ -2465,7 +2554,7 @@
           <p:cNvPr id="6" name="슬라이드 번호 개체 틀 5">
             <a:extLst>
               <a:ext uri="{FF2B5EF4-FFF2-40B4-BE49-F238E27FC236}">
-                <a16:creationId xmlns="" xmlns:a16="http://schemas.microsoft.com/office/drawing/2014/main" id="{FB4ED32B-3446-46D1-A849-41F78A9D9060}"/>
+                <a16:creationId xmlns:a16="http://schemas.microsoft.com/office/drawing/2014/main" id="{FB4ED32B-3446-46D1-A849-41F78A9D9060}"/>
               </a:ext>
             </a:extLst>
           </p:cNvPr>
@@ -2494,7 +2583,7 @@
           <p:cNvPr id="7" name="TextBox 6">
             <a:extLst>
               <a:ext uri="{FF2B5EF4-FFF2-40B4-BE49-F238E27FC236}">
-                <a16:creationId xmlns="" xmlns:a16="http://schemas.microsoft.com/office/drawing/2014/main" id="{A1687216-9C76-4F29-934C-F430DF40C5FA}"/>
+                <a16:creationId xmlns:a16="http://schemas.microsoft.com/office/drawing/2014/main" id="{A1687216-9C76-4F29-934C-F430DF40C5FA}"/>
               </a:ext>
             </a:extLst>
           </p:cNvPr>
@@ -2635,6 +2724,18 @@
   <p:clrMapOvr>
     <a:masterClrMapping/>
   </p:clrMapOvr>
+  <mc:AlternateContent xmlns:mc="http://schemas.openxmlformats.org/markup-compatibility/2006" xmlns:p14="http://schemas.microsoft.com/office/powerpoint/2010/main">
+    <mc:Choice Requires="p14">
+      <p:transition p14:dur="300" advClick="0">
+        <p:push/>
+      </p:transition>
+    </mc:Choice>
+    <mc:Fallback xmlns="">
+      <p:transition advClick="0">
+        <p:push/>
+      </p:transition>
+    </mc:Fallback>
+  </mc:AlternateContent>
   <p:timing>
     <p:tnLst>
       <p:par>
@@ -2667,7 +2768,7 @@
           <p:cNvPr id="2" name="제목 1">
             <a:extLst>
               <a:ext uri="{FF2B5EF4-FFF2-40B4-BE49-F238E27FC236}">
-                <a16:creationId xmlns="" xmlns:a16="http://schemas.microsoft.com/office/drawing/2014/main" id="{36BFCA8F-81E3-4494-807A-19ED363184C9}"/>
+                <a16:creationId xmlns:a16="http://schemas.microsoft.com/office/drawing/2014/main" id="{36BFCA8F-81E3-4494-807A-19ED363184C9}"/>
               </a:ext>
             </a:extLst>
           </p:cNvPr>
@@ -2707,7 +2808,7 @@
           <p:cNvPr id="3" name="부제목 2">
             <a:extLst>
               <a:ext uri="{FF2B5EF4-FFF2-40B4-BE49-F238E27FC236}">
-                <a16:creationId xmlns="" xmlns:a16="http://schemas.microsoft.com/office/drawing/2014/main" id="{54A30F0C-47F5-4BBB-8D9A-EEA1FF7E8DFB}"/>
+                <a16:creationId xmlns:a16="http://schemas.microsoft.com/office/drawing/2014/main" id="{54A30F0C-47F5-4BBB-8D9A-EEA1FF7E8DFB}"/>
               </a:ext>
             </a:extLst>
           </p:cNvPr>
@@ -2780,7 +2881,7 @@
           <p:cNvPr id="4" name="날짜 개체 틀 3">
             <a:extLst>
               <a:ext uri="{FF2B5EF4-FFF2-40B4-BE49-F238E27FC236}">
-                <a16:creationId xmlns="" xmlns:a16="http://schemas.microsoft.com/office/drawing/2014/main" id="{3BA2C713-AC81-4EB2-9330-581E0B6AE811}"/>
+                <a16:creationId xmlns:a16="http://schemas.microsoft.com/office/drawing/2014/main" id="{3BA2C713-AC81-4EB2-9330-581E0B6AE811}"/>
               </a:ext>
             </a:extLst>
           </p:cNvPr>
@@ -2798,7 +2899,7 @@
           <a:p>
             <a:fld id="{25C880E9-F562-4ADC-9C95-311ED8011E61}" type="datetimeFigureOut">
               <a:rPr lang="ko-KR" altLang="en-US" smtClean="0"/>
-              <a:t>2021-04-11</a:t>
+              <a:t>2021-04-29</a:t>
             </a:fld>
             <a:endParaRPr lang="ko-KR" altLang="en-US"/>
           </a:p>
@@ -2809,7 +2910,7 @@
           <p:cNvPr id="5" name="바닥글 개체 틀 4">
             <a:extLst>
               <a:ext uri="{FF2B5EF4-FFF2-40B4-BE49-F238E27FC236}">
-                <a16:creationId xmlns="" xmlns:a16="http://schemas.microsoft.com/office/drawing/2014/main" id="{1F0F55EC-D62C-46D0-85AA-2079E978B3AC}"/>
+                <a16:creationId xmlns:a16="http://schemas.microsoft.com/office/drawing/2014/main" id="{1F0F55EC-D62C-46D0-85AA-2079E978B3AC}"/>
               </a:ext>
             </a:extLst>
           </p:cNvPr>
@@ -2834,7 +2935,7 @@
           <p:cNvPr id="6" name="슬라이드 번호 개체 틀 5">
             <a:extLst>
               <a:ext uri="{FF2B5EF4-FFF2-40B4-BE49-F238E27FC236}">
-                <a16:creationId xmlns="" xmlns:a16="http://schemas.microsoft.com/office/drawing/2014/main" id="{A786F994-D68F-40EE-B340-2867A153420B}"/>
+                <a16:creationId xmlns:a16="http://schemas.microsoft.com/office/drawing/2014/main" id="{A786F994-D68F-40EE-B340-2867A153420B}"/>
               </a:ext>
             </a:extLst>
           </p:cNvPr>
@@ -2868,9 +2969,21 @@
   <p:clrMapOvr>
     <a:masterClrMapping/>
   </p:clrMapOvr>
+  <mc:AlternateContent xmlns:mc="http://schemas.openxmlformats.org/markup-compatibility/2006" xmlns:p14="http://schemas.microsoft.com/office/powerpoint/2010/main">
+    <mc:Choice Requires="p14">
+      <p:transition p14:dur="300" advClick="0">
+        <p:push/>
+      </p:transition>
+    </mc:Choice>
+    <mc:Fallback xmlns="">
+      <p:transition advClick="0">
+        <p:push/>
+      </p:transition>
+    </mc:Fallback>
+  </mc:AlternateContent>
   <p:extLst mod="1">
     <p:ext uri="{DCECCB84-F9BA-43D5-87BE-67443E8EF086}">
-      <p15:sldGuideLst xmlns="" xmlns:p15="http://schemas.microsoft.com/office/powerpoint/2012/main">
+      <p15:sldGuideLst xmlns:p15="http://schemas.microsoft.com/office/powerpoint/2012/main">
         <p15:guide id="1" orient="horz" pos="278" userDrawn="1">
           <p15:clr>
             <a:srgbClr val="FBAE40"/>
@@ -2927,7 +3040,7 @@
           <p:cNvPr id="4" name="날짜 개체 틀 3">
             <a:extLst>
               <a:ext uri="{FF2B5EF4-FFF2-40B4-BE49-F238E27FC236}">
-                <a16:creationId xmlns="" xmlns:a16="http://schemas.microsoft.com/office/drawing/2014/main" id="{42D06877-D131-4080-A9F4-48C0B274C06E}"/>
+                <a16:creationId xmlns:a16="http://schemas.microsoft.com/office/drawing/2014/main" id="{42D06877-D131-4080-A9F4-48C0B274C06E}"/>
               </a:ext>
             </a:extLst>
           </p:cNvPr>
@@ -2963,7 +3076,7 @@
           <a:p>
             <a:fld id="{CF798D60-6305-4CBF-A4B2-1F42DE11A197}" type="datetimeFigureOut">
               <a:rPr lang="ko-KR" altLang="en-US" smtClean="0"/>
-              <a:t>2021-04-11</a:t>
+              <a:t>2021-04-29</a:t>
             </a:fld>
             <a:endParaRPr lang="ko-KR" altLang="en-US"/>
           </a:p>
@@ -2974,7 +3087,7 @@
           <p:cNvPr id="5" name="바닥글 개체 틀 4">
             <a:extLst>
               <a:ext uri="{FF2B5EF4-FFF2-40B4-BE49-F238E27FC236}">
-                <a16:creationId xmlns="" xmlns:a16="http://schemas.microsoft.com/office/drawing/2014/main" id="{64076F67-2A68-49D1-BB80-037677E09A3F}"/>
+                <a16:creationId xmlns:a16="http://schemas.microsoft.com/office/drawing/2014/main" id="{64076F67-2A68-49D1-BB80-037677E09A3F}"/>
               </a:ext>
             </a:extLst>
           </p:cNvPr>
@@ -3017,7 +3130,7 @@
           <p:cNvPr id="6" name="슬라이드 번호 개체 틀 5">
             <a:extLst>
               <a:ext uri="{FF2B5EF4-FFF2-40B4-BE49-F238E27FC236}">
-                <a16:creationId xmlns="" xmlns:a16="http://schemas.microsoft.com/office/drawing/2014/main" id="{58782565-736B-44B3-9A33-43CB9E3F7716}"/>
+                <a16:creationId xmlns:a16="http://schemas.microsoft.com/office/drawing/2014/main" id="{58782565-736B-44B3-9A33-43CB9E3F7716}"/>
               </a:ext>
             </a:extLst>
           </p:cNvPr>
@@ -3075,6 +3188,18 @@
     <p:sldLayoutId id="2147483670" r:id="rId5"/>
     <p:sldLayoutId id="2147483672" r:id="rId6"/>
   </p:sldLayoutIdLst>
+  <mc:AlternateContent xmlns:mc="http://schemas.openxmlformats.org/markup-compatibility/2006" xmlns:p14="http://schemas.microsoft.com/office/powerpoint/2010/main">
+    <mc:Choice Requires="p14">
+      <p:transition p14:dur="300" advClick="0">
+        <p:push/>
+      </p:transition>
+    </mc:Choice>
+    <mc:Fallback xmlns="">
+      <p:transition advClick="0">
+        <p:push/>
+      </p:transition>
+    </mc:Fallback>
+  </mc:AlternateContent>
   <p:timing>
     <p:tnLst>
       <p:par>
@@ -3459,7 +3584,7 @@
             <p:cNvPr id="17" name="직선 연결선 16">
               <a:extLst>
                 <a:ext uri="{FF2B5EF4-FFF2-40B4-BE49-F238E27FC236}">
-                  <a16:creationId xmlns="" xmlns:a16="http://schemas.microsoft.com/office/drawing/2014/main" id="{AA7311F7-BDB2-4871-A52E-85827F6BBA0C}"/>
+                  <a16:creationId xmlns:a16="http://schemas.microsoft.com/office/drawing/2014/main" id="{AA7311F7-BDB2-4871-A52E-85827F6BBA0C}"/>
                 </a:ext>
               </a:extLst>
             </p:cNvPr>
@@ -3500,7 +3625,7 @@
             <p:cNvPr id="18" name="직사각형 17">
               <a:extLst>
                 <a:ext uri="{FF2B5EF4-FFF2-40B4-BE49-F238E27FC236}">
-                  <a16:creationId xmlns="" xmlns:a16="http://schemas.microsoft.com/office/drawing/2014/main" id="{4607419D-DA91-41E9-BA14-DED2C6883059}"/>
+                  <a16:creationId xmlns:a16="http://schemas.microsoft.com/office/drawing/2014/main" id="{4607419D-DA91-41E9-BA14-DED2C6883059}"/>
                 </a:ext>
               </a:extLst>
             </p:cNvPr>
@@ -3597,7 +3722,7 @@
             <p:cNvPr id="7" name="TextBox 6">
               <a:extLst>
                 <a:ext uri="{FF2B5EF4-FFF2-40B4-BE49-F238E27FC236}">
-                  <a16:creationId xmlns="" xmlns:a16="http://schemas.microsoft.com/office/drawing/2014/main" id="{704C1FE0-6BEB-44C5-B4B9-1755F444F838}"/>
+                  <a16:creationId xmlns:a16="http://schemas.microsoft.com/office/drawing/2014/main" id="{704C1FE0-6BEB-44C5-B4B9-1755F444F838}"/>
                 </a:ext>
               </a:extLst>
             </p:cNvPr>
@@ -3646,7 +3771,7 @@
             <p:cNvPr id="50" name="TextBox 49">
               <a:extLst>
                 <a:ext uri="{FF2B5EF4-FFF2-40B4-BE49-F238E27FC236}">
-                  <a16:creationId xmlns="" xmlns:a16="http://schemas.microsoft.com/office/drawing/2014/main" id="{704C1FE0-6BEB-44C5-B4B9-1755F444F838}"/>
+                  <a16:creationId xmlns:a16="http://schemas.microsoft.com/office/drawing/2014/main" id="{704C1FE0-6BEB-44C5-B4B9-1755F444F838}"/>
                 </a:ext>
               </a:extLst>
             </p:cNvPr>
@@ -3752,6 +3877,14 @@
   <p:clrMapOvr>
     <a:overrideClrMapping bg1="lt1" tx1="dk1" bg2="lt2" tx2="dk2" accent1="accent1" accent2="accent2" accent3="accent3" accent4="accent4" accent5="accent5" accent6="accent6" hlink="hlink" folHlink="folHlink"/>
   </p:clrMapOvr>
+  <mc:AlternateContent xmlns:mc="http://schemas.openxmlformats.org/markup-compatibility/2006" xmlns:p14="http://schemas.microsoft.com/office/powerpoint/2010/main">
+    <mc:Choice Requires="p14">
+      <p:transition p14:dur="0" advClick="0"/>
+    </mc:Choice>
+    <mc:Fallback xmlns="">
+      <p:transition advClick="0"/>
+    </mc:Fallback>
+  </mc:AlternateContent>
   <p:timing>
     <p:tnLst>
       <p:par>
@@ -3784,7 +3917,7 @@
           <p:cNvPr id="7" name="TextBox 6">
             <a:extLst>
               <a:ext uri="{FF2B5EF4-FFF2-40B4-BE49-F238E27FC236}">
-                <a16:creationId xmlns="" xmlns:a16="http://schemas.microsoft.com/office/drawing/2014/main" id="{704C1FE0-6BEB-44C5-B4B9-1755F444F838}"/>
+                <a16:creationId xmlns:a16="http://schemas.microsoft.com/office/drawing/2014/main" id="{704C1FE0-6BEB-44C5-B4B9-1755F444F838}"/>
               </a:ext>
             </a:extLst>
           </p:cNvPr>
@@ -3848,7 +3981,7 @@
           <p:cNvPr id="17" name="직선 연결선 16">
             <a:extLst>
               <a:ext uri="{FF2B5EF4-FFF2-40B4-BE49-F238E27FC236}">
-                <a16:creationId xmlns="" xmlns:a16="http://schemas.microsoft.com/office/drawing/2014/main" id="{AA7311F7-BDB2-4871-A52E-85827F6BBA0C}"/>
+                <a16:creationId xmlns:a16="http://schemas.microsoft.com/office/drawing/2014/main" id="{AA7311F7-BDB2-4871-A52E-85827F6BBA0C}"/>
               </a:ext>
             </a:extLst>
           </p:cNvPr>
@@ -3891,7 +4024,7 @@
           <p:cNvPr id="65" name="직사각형 64">
             <a:extLst>
               <a:ext uri="{FF2B5EF4-FFF2-40B4-BE49-F238E27FC236}">
-                <a16:creationId xmlns="" xmlns:a16="http://schemas.microsoft.com/office/drawing/2014/main" id="{4607419D-DA91-41E9-BA14-DED2C6883059}"/>
+                <a16:creationId xmlns:a16="http://schemas.microsoft.com/office/drawing/2014/main" id="{4607419D-DA91-41E9-BA14-DED2C6883059}"/>
               </a:ext>
             </a:extLst>
           </p:cNvPr>
@@ -4105,7 +4238,7 @@
             <p:cNvPr id="32" name="직사각형 31">
               <a:extLst>
                 <a:ext uri="{FF2B5EF4-FFF2-40B4-BE49-F238E27FC236}">
-                  <a16:creationId xmlns="" xmlns:a16="http://schemas.microsoft.com/office/drawing/2014/main" id="{79E4D4CF-E815-4434-98D1-D205C55FA41F}"/>
+                  <a16:creationId xmlns:a16="http://schemas.microsoft.com/office/drawing/2014/main" id="{79E4D4CF-E815-4434-98D1-D205C55FA41F}"/>
                 </a:ext>
               </a:extLst>
             </p:cNvPr>
@@ -4157,7 +4290,7 @@
             <p:cNvPr id="33" name="직사각형 32">
               <a:extLst>
                 <a:ext uri="{FF2B5EF4-FFF2-40B4-BE49-F238E27FC236}">
-                  <a16:creationId xmlns="" xmlns:a16="http://schemas.microsoft.com/office/drawing/2014/main" id="{00ED8BB9-3121-4110-8B98-9D680221AE12}"/>
+                  <a16:creationId xmlns:a16="http://schemas.microsoft.com/office/drawing/2014/main" id="{00ED8BB9-3121-4110-8B98-9D680221AE12}"/>
                 </a:ext>
               </a:extLst>
             </p:cNvPr>
@@ -4240,7 +4373,7 @@
             <p:cNvPr id="30" name="직사각형 29">
               <a:extLst>
                 <a:ext uri="{FF2B5EF4-FFF2-40B4-BE49-F238E27FC236}">
-                  <a16:creationId xmlns="" xmlns:a16="http://schemas.microsoft.com/office/drawing/2014/main" id="{71E05397-CBA0-4CD3-BDA0-ECCF9AD60C5A}"/>
+                  <a16:creationId xmlns:a16="http://schemas.microsoft.com/office/drawing/2014/main" id="{71E05397-CBA0-4CD3-BDA0-ECCF9AD60C5A}"/>
                 </a:ext>
               </a:extLst>
             </p:cNvPr>
@@ -4292,7 +4425,7 @@
             <p:cNvPr id="31" name="직사각형 30">
               <a:extLst>
                 <a:ext uri="{FF2B5EF4-FFF2-40B4-BE49-F238E27FC236}">
-                  <a16:creationId xmlns="" xmlns:a16="http://schemas.microsoft.com/office/drawing/2014/main" id="{00ED8BB9-3121-4110-8B98-9D680221AE12}"/>
+                  <a16:creationId xmlns:a16="http://schemas.microsoft.com/office/drawing/2014/main" id="{00ED8BB9-3121-4110-8B98-9D680221AE12}"/>
                 </a:ext>
               </a:extLst>
             </p:cNvPr>
@@ -4375,7 +4508,7 @@
             <p:cNvPr id="28" name="직사각형 27">
               <a:extLst>
                 <a:ext uri="{FF2B5EF4-FFF2-40B4-BE49-F238E27FC236}">
-                  <a16:creationId xmlns="" xmlns:a16="http://schemas.microsoft.com/office/drawing/2014/main" id="{137EA967-CEA9-44DE-9294-0D152AA293B8}"/>
+                  <a16:creationId xmlns:a16="http://schemas.microsoft.com/office/drawing/2014/main" id="{137EA967-CEA9-44DE-9294-0D152AA293B8}"/>
                 </a:ext>
               </a:extLst>
             </p:cNvPr>
@@ -4427,7 +4560,7 @@
             <p:cNvPr id="29" name="직사각형 28">
               <a:extLst>
                 <a:ext uri="{FF2B5EF4-FFF2-40B4-BE49-F238E27FC236}">
-                  <a16:creationId xmlns="" xmlns:a16="http://schemas.microsoft.com/office/drawing/2014/main" id="{00ED8BB9-3121-4110-8B98-9D680221AE12}"/>
+                  <a16:creationId xmlns:a16="http://schemas.microsoft.com/office/drawing/2014/main" id="{00ED8BB9-3121-4110-8B98-9D680221AE12}"/>
                 </a:ext>
               </a:extLst>
             </p:cNvPr>
@@ -4510,7 +4643,7 @@
             <p:cNvPr id="26" name="직사각형 25">
               <a:extLst>
                 <a:ext uri="{FF2B5EF4-FFF2-40B4-BE49-F238E27FC236}">
-                  <a16:creationId xmlns="" xmlns:a16="http://schemas.microsoft.com/office/drawing/2014/main" id="{A7B5F3E0-8716-4DBC-9C00-68995BAFCA3B}"/>
+                  <a16:creationId xmlns:a16="http://schemas.microsoft.com/office/drawing/2014/main" id="{A7B5F3E0-8716-4DBC-9C00-68995BAFCA3B}"/>
                 </a:ext>
               </a:extLst>
             </p:cNvPr>
@@ -4562,7 +4695,7 @@
             <p:cNvPr id="27" name="직사각형 26">
               <a:extLst>
                 <a:ext uri="{FF2B5EF4-FFF2-40B4-BE49-F238E27FC236}">
-                  <a16:creationId xmlns="" xmlns:a16="http://schemas.microsoft.com/office/drawing/2014/main" id="{00ED8BB9-3121-4110-8B98-9D680221AE12}"/>
+                  <a16:creationId xmlns:a16="http://schemas.microsoft.com/office/drawing/2014/main" id="{00ED8BB9-3121-4110-8B98-9D680221AE12}"/>
                 </a:ext>
               </a:extLst>
             </p:cNvPr>
@@ -4636,6 +4769,18 @@
   <p:clrMapOvr>
     <a:masterClrMapping/>
   </p:clrMapOvr>
+  <mc:AlternateContent xmlns:mc="http://schemas.openxmlformats.org/markup-compatibility/2006" xmlns:p14="http://schemas.microsoft.com/office/powerpoint/2010/main">
+    <mc:Choice Requires="p14">
+      <p:transition p14:dur="300" advClick="0">
+        <p:push/>
+      </p:transition>
+    </mc:Choice>
+    <mc:Fallback xmlns="">
+      <p:transition advClick="0">
+        <p:push/>
+      </p:transition>
+    </mc:Fallback>
+  </mc:AlternateContent>
   <p:timing>
     <p:tnLst>
       <p:par>
@@ -5184,6 +5329,18 @@
   <p:clrMapOvr>
     <a:masterClrMapping/>
   </p:clrMapOvr>
+  <mc:AlternateContent xmlns:mc="http://schemas.openxmlformats.org/markup-compatibility/2006" xmlns:p14="http://schemas.microsoft.com/office/powerpoint/2010/main">
+    <mc:Choice Requires="p14">
+      <p:transition p14:dur="300" advClick="0">
+        <p:push/>
+      </p:transition>
+    </mc:Choice>
+    <mc:Fallback xmlns="">
+      <p:transition advClick="0">
+        <p:push/>
+      </p:transition>
+    </mc:Fallback>
+  </mc:AlternateContent>
   <p:timing>
     <p:tnLst>
       <p:par>
@@ -5196,6 +5353,9 @@
                     <p:cTn id="3" fill="hold">
                       <p:stCondLst>
                         <p:cond delay="indefinite"/>
+                        <p:cond evt="onBegin" delay="0">
+                          <p:tn val="2"/>
+                        </p:cond>
                       </p:stCondLst>
                       <p:childTnLst>
                         <p:par>
@@ -5205,9 +5365,9 @@
                             </p:stCondLst>
                             <p:childTnLst>
                               <p:par>
-                                <p:cTn id="5" presetID="22" presetClass="entr" presetSubtype="8" fill="hold" grpId="0" nodeType="clickEffect">
+                                <p:cTn id="5" presetID="22" presetClass="entr" presetSubtype="8" fill="hold" grpId="0" nodeType="afterEffect">
                                   <p:stCondLst>
-                                    <p:cond delay="0"/>
+                                    <p:cond delay="400"/>
                                   </p:stCondLst>
                                   <p:childTnLst>
                                     <p:set>
@@ -5343,7 +5503,7 @@
           <p:cNvPr id="5" name="TextBox 4">
             <a:extLst>
               <a:ext uri="{FF2B5EF4-FFF2-40B4-BE49-F238E27FC236}">
-                <a16:creationId xmlns="" xmlns:a16="http://schemas.microsoft.com/office/drawing/2014/main" id="{A1687216-9C76-4F29-934C-F430DF40C5FA}"/>
+                <a16:creationId xmlns:a16="http://schemas.microsoft.com/office/drawing/2014/main" id="{A1687216-9C76-4F29-934C-F430DF40C5FA}"/>
               </a:ext>
             </a:extLst>
           </p:cNvPr>
@@ -5573,7 +5733,7 @@
           <p:cNvPr id="9" name="TextBox 8">
             <a:extLst>
               <a:ext uri="{FF2B5EF4-FFF2-40B4-BE49-F238E27FC236}">
-                <a16:creationId xmlns="" xmlns:a16="http://schemas.microsoft.com/office/drawing/2014/main" id="{A1687216-9C76-4F29-934C-F430DF40C5FA}"/>
+                <a16:creationId xmlns:a16="http://schemas.microsoft.com/office/drawing/2014/main" id="{A1687216-9C76-4F29-934C-F430DF40C5FA}"/>
               </a:ext>
             </a:extLst>
           </p:cNvPr>
@@ -5761,7 +5921,7 @@
           <p:cNvPr id="17" name="TextBox 16">
             <a:extLst>
               <a:ext uri="{FF2B5EF4-FFF2-40B4-BE49-F238E27FC236}">
-                <a16:creationId xmlns="" xmlns:a16="http://schemas.microsoft.com/office/drawing/2014/main" id="{A1687216-9C76-4F29-934C-F430DF40C5FA}"/>
+                <a16:creationId xmlns:a16="http://schemas.microsoft.com/office/drawing/2014/main" id="{A1687216-9C76-4F29-934C-F430DF40C5FA}"/>
               </a:ext>
             </a:extLst>
           </p:cNvPr>
@@ -5975,7 +6135,7 @@
           <p:cNvPr id="19" name="TextBox 18">
             <a:extLst>
               <a:ext uri="{FF2B5EF4-FFF2-40B4-BE49-F238E27FC236}">
-                <a16:creationId xmlns="" xmlns:a16="http://schemas.microsoft.com/office/drawing/2014/main" id="{A1687216-9C76-4F29-934C-F430DF40C5FA}"/>
+                <a16:creationId xmlns:a16="http://schemas.microsoft.com/office/drawing/2014/main" id="{A1687216-9C76-4F29-934C-F430DF40C5FA}"/>
               </a:ext>
             </a:extLst>
           </p:cNvPr>
@@ -6462,7 +6622,7 @@
           <p:cNvPr id="20" name="TextBox 19">
             <a:extLst>
               <a:ext uri="{FF2B5EF4-FFF2-40B4-BE49-F238E27FC236}">
-                <a16:creationId xmlns="" xmlns:a16="http://schemas.microsoft.com/office/drawing/2014/main" id="{A1687216-9C76-4F29-934C-F430DF40C5FA}"/>
+                <a16:creationId xmlns:a16="http://schemas.microsoft.com/office/drawing/2014/main" id="{A1687216-9C76-4F29-934C-F430DF40C5FA}"/>
               </a:ext>
             </a:extLst>
           </p:cNvPr>
@@ -6975,7 +7135,7 @@
           <p:cNvPr id="21" name="TextBox 20">
             <a:extLst>
               <a:ext uri="{FF2B5EF4-FFF2-40B4-BE49-F238E27FC236}">
-                <a16:creationId xmlns="" xmlns:a16="http://schemas.microsoft.com/office/drawing/2014/main" id="{A1687216-9C76-4F29-934C-F430DF40C5FA}"/>
+                <a16:creationId xmlns:a16="http://schemas.microsoft.com/office/drawing/2014/main" id="{A1687216-9C76-4F29-934C-F430DF40C5FA}"/>
               </a:ext>
             </a:extLst>
           </p:cNvPr>
@@ -7126,6 +7286,14 @@
   <p:clrMapOvr>
     <a:masterClrMapping/>
   </p:clrMapOvr>
+  <mc:AlternateContent xmlns:mc="http://schemas.openxmlformats.org/markup-compatibility/2006" xmlns:p14="http://schemas.microsoft.com/office/powerpoint/2010/main">
+    <mc:Choice Requires="p14">
+      <p:transition p14:dur="0" advClick="0"/>
+    </mc:Choice>
+    <mc:Fallback xmlns="">
+      <p:transition advClick="0"/>
+    </mc:Fallback>
+  </mc:AlternateContent>
   <p:timing>
     <p:tnLst>
       <p:par>
@@ -7178,7 +7346,13 @@
                 <a:tableStyleId>{EB344D84-9AFB-497E-A393-DC336BA19D2E}</a:tableStyleId>
               </a:tblPr>
               <a:tblGrid>
-                <a:gridCol w="4094984"/>
+                <a:gridCol w="4094984">
+                  <a:extLst>
+                    <a:ext uri="{9D8B030D-6E8A-4147-A177-3AD203B41FA5}">
+                      <a16:colId xmlns:a16="http://schemas.microsoft.com/office/drawing/2014/main" val="20000"/>
+                    </a:ext>
+                  </a:extLst>
+                </a:gridCol>
               </a:tblGrid>
               <a:tr h="133419">
                 <a:tc>
@@ -7213,6 +7387,11 @@
                     </a:lnBlToTr>
                   </a:tcPr>
                 </a:tc>
+                <a:extLst>
+                  <a:ext uri="{0D108BD9-81ED-4DB2-BD59-A6C34878D82A}">
+                    <a16:rowId xmlns:a16="http://schemas.microsoft.com/office/drawing/2014/main" val="10000"/>
+                  </a:ext>
+                </a:extLst>
               </a:tr>
               <a:tr h="133419">
                 <a:tc>
@@ -7247,6 +7426,11 @@
                     </a:lnBlToTr>
                   </a:tcPr>
                 </a:tc>
+                <a:extLst>
+                  <a:ext uri="{0D108BD9-81ED-4DB2-BD59-A6C34878D82A}">
+                    <a16:rowId xmlns:a16="http://schemas.microsoft.com/office/drawing/2014/main" val="10001"/>
+                  </a:ext>
+                </a:extLst>
               </a:tr>
               <a:tr h="133419">
                 <a:tc>
@@ -7281,6 +7465,11 @@
                     </a:lnBlToTr>
                   </a:tcPr>
                 </a:tc>
+                <a:extLst>
+                  <a:ext uri="{0D108BD9-81ED-4DB2-BD59-A6C34878D82A}">
+                    <a16:rowId xmlns:a16="http://schemas.microsoft.com/office/drawing/2014/main" val="10002"/>
+                  </a:ext>
+                </a:extLst>
               </a:tr>
               <a:tr h="133419">
                 <a:tc>
@@ -7315,6 +7504,11 @@
                     </a:lnBlToTr>
                   </a:tcPr>
                 </a:tc>
+                <a:extLst>
+                  <a:ext uri="{0D108BD9-81ED-4DB2-BD59-A6C34878D82A}">
+                    <a16:rowId xmlns:a16="http://schemas.microsoft.com/office/drawing/2014/main" val="10003"/>
+                  </a:ext>
+                </a:extLst>
               </a:tr>
               <a:tr h="133419">
                 <a:tc>
@@ -7349,6 +7543,11 @@
                     </a:lnBlToTr>
                   </a:tcPr>
                 </a:tc>
+                <a:extLst>
+                  <a:ext uri="{0D108BD9-81ED-4DB2-BD59-A6C34878D82A}">
+                    <a16:rowId xmlns:a16="http://schemas.microsoft.com/office/drawing/2014/main" val="10004"/>
+                  </a:ext>
+                </a:extLst>
               </a:tr>
               <a:tr h="133419">
                 <a:tc>
@@ -7383,6 +7582,11 @@
                     </a:lnBlToTr>
                   </a:tcPr>
                 </a:tc>
+                <a:extLst>
+                  <a:ext uri="{0D108BD9-81ED-4DB2-BD59-A6C34878D82A}">
+                    <a16:rowId xmlns:a16="http://schemas.microsoft.com/office/drawing/2014/main" val="10005"/>
+                  </a:ext>
+                </a:extLst>
               </a:tr>
               <a:tr h="133419">
                 <a:tc>
@@ -7417,6 +7621,11 @@
                     </a:lnBlToTr>
                   </a:tcPr>
                 </a:tc>
+                <a:extLst>
+                  <a:ext uri="{0D108BD9-81ED-4DB2-BD59-A6C34878D82A}">
+                    <a16:rowId xmlns:a16="http://schemas.microsoft.com/office/drawing/2014/main" val="10006"/>
+                  </a:ext>
+                </a:extLst>
               </a:tr>
               <a:tr h="133419">
                 <a:tc>
@@ -7451,6 +7660,11 @@
                     </a:lnBlToTr>
                   </a:tcPr>
                 </a:tc>
+                <a:extLst>
+                  <a:ext uri="{0D108BD9-81ED-4DB2-BD59-A6C34878D82A}">
+                    <a16:rowId xmlns:a16="http://schemas.microsoft.com/office/drawing/2014/main" val="10007"/>
+                  </a:ext>
+                </a:extLst>
               </a:tr>
               <a:tr h="133419">
                 <a:tc>
@@ -7485,6 +7699,11 @@
                     </a:lnBlToTr>
                   </a:tcPr>
                 </a:tc>
+                <a:extLst>
+                  <a:ext uri="{0D108BD9-81ED-4DB2-BD59-A6C34878D82A}">
+                    <a16:rowId xmlns:a16="http://schemas.microsoft.com/office/drawing/2014/main" val="10008"/>
+                  </a:ext>
+                </a:extLst>
               </a:tr>
               <a:tr h="133419">
                 <a:tc>
@@ -7519,6 +7738,11 @@
                     </a:lnBlToTr>
                   </a:tcPr>
                 </a:tc>
+                <a:extLst>
+                  <a:ext uri="{0D108BD9-81ED-4DB2-BD59-A6C34878D82A}">
+                    <a16:rowId xmlns:a16="http://schemas.microsoft.com/office/drawing/2014/main" val="10009"/>
+                  </a:ext>
+                </a:extLst>
               </a:tr>
               <a:tr h="133419">
                 <a:tc>
@@ -7553,6 +7777,11 @@
                     </a:lnBlToTr>
                   </a:tcPr>
                 </a:tc>
+                <a:extLst>
+                  <a:ext uri="{0D108BD9-81ED-4DB2-BD59-A6C34878D82A}">
+                    <a16:rowId xmlns:a16="http://schemas.microsoft.com/office/drawing/2014/main" val="10010"/>
+                  </a:ext>
+                </a:extLst>
               </a:tr>
               <a:tr h="133419">
                 <a:tc>
@@ -7587,6 +7816,11 @@
                     </a:lnBlToTr>
                   </a:tcPr>
                 </a:tc>
+                <a:extLst>
+                  <a:ext uri="{0D108BD9-81ED-4DB2-BD59-A6C34878D82A}">
+                    <a16:rowId xmlns:a16="http://schemas.microsoft.com/office/drawing/2014/main" val="10011"/>
+                  </a:ext>
+                </a:extLst>
               </a:tr>
               <a:tr h="133419">
                 <a:tc>
@@ -7621,6 +7855,11 @@
                     </a:lnBlToTr>
                   </a:tcPr>
                 </a:tc>
+                <a:extLst>
+                  <a:ext uri="{0D108BD9-81ED-4DB2-BD59-A6C34878D82A}">
+                    <a16:rowId xmlns:a16="http://schemas.microsoft.com/office/drawing/2014/main" val="10012"/>
+                  </a:ext>
+                </a:extLst>
               </a:tr>
               <a:tr h="133419">
                 <a:tc>
@@ -7655,6 +7894,11 @@
                     </a:lnBlToTr>
                   </a:tcPr>
                 </a:tc>
+                <a:extLst>
+                  <a:ext uri="{0D108BD9-81ED-4DB2-BD59-A6C34878D82A}">
+                    <a16:rowId xmlns:a16="http://schemas.microsoft.com/office/drawing/2014/main" val="10013"/>
+                  </a:ext>
+                </a:extLst>
               </a:tr>
               <a:tr h="133419">
                 <a:tc>
@@ -7689,6 +7933,11 @@
                     </a:lnBlToTr>
                   </a:tcPr>
                 </a:tc>
+                <a:extLst>
+                  <a:ext uri="{0D108BD9-81ED-4DB2-BD59-A6C34878D82A}">
+                    <a16:rowId xmlns:a16="http://schemas.microsoft.com/office/drawing/2014/main" val="10014"/>
+                  </a:ext>
+                </a:extLst>
               </a:tr>
               <a:tr h="133419">
                 <a:tc>
@@ -7723,6 +7972,11 @@
                     </a:lnBlToTr>
                   </a:tcPr>
                 </a:tc>
+                <a:extLst>
+                  <a:ext uri="{0D108BD9-81ED-4DB2-BD59-A6C34878D82A}">
+                    <a16:rowId xmlns:a16="http://schemas.microsoft.com/office/drawing/2014/main" val="10015"/>
+                  </a:ext>
+                </a:extLst>
               </a:tr>
               <a:tr h="133419">
                 <a:tc>
@@ -7757,6 +8011,11 @@
                     </a:lnBlToTr>
                   </a:tcPr>
                 </a:tc>
+                <a:extLst>
+                  <a:ext uri="{0D108BD9-81ED-4DB2-BD59-A6C34878D82A}">
+                    <a16:rowId xmlns:a16="http://schemas.microsoft.com/office/drawing/2014/main" val="10016"/>
+                  </a:ext>
+                </a:extLst>
               </a:tr>
               <a:tr h="133419">
                 <a:tc>
@@ -7791,6 +8050,11 @@
                     </a:lnBlToTr>
                   </a:tcPr>
                 </a:tc>
+                <a:extLst>
+                  <a:ext uri="{0D108BD9-81ED-4DB2-BD59-A6C34878D82A}">
+                    <a16:rowId xmlns:a16="http://schemas.microsoft.com/office/drawing/2014/main" val="10017"/>
+                  </a:ext>
+                </a:extLst>
               </a:tr>
               <a:tr h="133419">
                 <a:tc>
@@ -7825,6 +8089,11 @@
                     </a:lnBlToTr>
                   </a:tcPr>
                 </a:tc>
+                <a:extLst>
+                  <a:ext uri="{0D108BD9-81ED-4DB2-BD59-A6C34878D82A}">
+                    <a16:rowId xmlns:a16="http://schemas.microsoft.com/office/drawing/2014/main" val="10018"/>
+                  </a:ext>
+                </a:extLst>
               </a:tr>
               <a:tr h="133419">
                 <a:tc>
@@ -7859,6 +8128,11 @@
                     </a:lnBlToTr>
                   </a:tcPr>
                 </a:tc>
+                <a:extLst>
+                  <a:ext uri="{0D108BD9-81ED-4DB2-BD59-A6C34878D82A}">
+                    <a16:rowId xmlns:a16="http://schemas.microsoft.com/office/drawing/2014/main" val="10019"/>
+                  </a:ext>
+                </a:extLst>
               </a:tr>
               <a:tr h="133419">
                 <a:tc>
@@ -7893,6 +8167,11 @@
                     </a:lnBlToTr>
                   </a:tcPr>
                 </a:tc>
+                <a:extLst>
+                  <a:ext uri="{0D108BD9-81ED-4DB2-BD59-A6C34878D82A}">
+                    <a16:rowId xmlns:a16="http://schemas.microsoft.com/office/drawing/2014/main" val="10020"/>
+                  </a:ext>
+                </a:extLst>
               </a:tr>
               <a:tr h="133419">
                 <a:tc>
@@ -7927,6 +8206,11 @@
                     </a:lnBlToTr>
                   </a:tcPr>
                 </a:tc>
+                <a:extLst>
+                  <a:ext uri="{0D108BD9-81ED-4DB2-BD59-A6C34878D82A}">
+                    <a16:rowId xmlns:a16="http://schemas.microsoft.com/office/drawing/2014/main" val="10021"/>
+                  </a:ext>
+                </a:extLst>
               </a:tr>
             </a:tbl>
           </a:graphicData>
@@ -7995,7 +8279,7 @@
           <p:cNvPr id="5" name="TextBox 4">
             <a:extLst>
               <a:ext uri="{FF2B5EF4-FFF2-40B4-BE49-F238E27FC236}">
-                <a16:creationId xmlns="" xmlns:a16="http://schemas.microsoft.com/office/drawing/2014/main" id="{A1687216-9C76-4F29-934C-F430DF40C5FA}"/>
+                <a16:creationId xmlns:a16="http://schemas.microsoft.com/office/drawing/2014/main" id="{A1687216-9C76-4F29-934C-F430DF40C5FA}"/>
               </a:ext>
             </a:extLst>
           </p:cNvPr>
@@ -8089,7 +8373,7 @@
           <p:cNvPr id="22" name="TextBox 21">
             <a:extLst>
               <a:ext uri="{FF2B5EF4-FFF2-40B4-BE49-F238E27FC236}">
-                <a16:creationId xmlns="" xmlns:a16="http://schemas.microsoft.com/office/drawing/2014/main" id="{A1687216-9C76-4F29-934C-F430DF40C5FA}"/>
+                <a16:creationId xmlns:a16="http://schemas.microsoft.com/office/drawing/2014/main" id="{A1687216-9C76-4F29-934C-F430DF40C5FA}"/>
               </a:ext>
             </a:extLst>
           </p:cNvPr>
@@ -8281,7 +8565,7 @@
           <p:cNvPr id="11" name="TextBox 10">
             <a:extLst>
               <a:ext uri="{FF2B5EF4-FFF2-40B4-BE49-F238E27FC236}">
-                <a16:creationId xmlns="" xmlns:a16="http://schemas.microsoft.com/office/drawing/2014/main" id="{A1687216-9C76-4F29-934C-F430DF40C5FA}"/>
+                <a16:creationId xmlns:a16="http://schemas.microsoft.com/office/drawing/2014/main" id="{A1687216-9C76-4F29-934C-F430DF40C5FA}"/>
               </a:ext>
             </a:extLst>
           </p:cNvPr>
@@ -10262,7 +10546,7 @@
           <p:cNvPr id="13" name="TextBox 12">
             <a:extLst>
               <a:ext uri="{FF2B5EF4-FFF2-40B4-BE49-F238E27FC236}">
-                <a16:creationId xmlns="" xmlns:a16="http://schemas.microsoft.com/office/drawing/2014/main" id="{A1687216-9C76-4F29-934C-F430DF40C5FA}"/>
+                <a16:creationId xmlns:a16="http://schemas.microsoft.com/office/drawing/2014/main" id="{A1687216-9C76-4F29-934C-F430DF40C5FA}"/>
               </a:ext>
             </a:extLst>
           </p:cNvPr>
@@ -11353,6 +11637,14 @@
   <p:clrMapOvr>
     <a:masterClrMapping/>
   </p:clrMapOvr>
+  <mc:AlternateContent xmlns:mc="http://schemas.openxmlformats.org/markup-compatibility/2006" xmlns:p14="http://schemas.microsoft.com/office/powerpoint/2010/main">
+    <mc:Choice Requires="p14">
+      <p:transition p14:dur="0" advClick="0"/>
+    </mc:Choice>
+    <mc:Fallback xmlns="">
+      <p:transition advClick="0"/>
+    </mc:Fallback>
+  </mc:AlternateContent>
   <p:timing>
     <p:tnLst>
       <p:par>
@@ -11405,7 +11697,13 @@
                 <a:tableStyleId>{EB344D84-9AFB-497E-A393-DC336BA19D2E}</a:tableStyleId>
               </a:tblPr>
               <a:tblGrid>
-                <a:gridCol w="4498490"/>
+                <a:gridCol w="4498490">
+                  <a:extLst>
+                    <a:ext uri="{9D8B030D-6E8A-4147-A177-3AD203B41FA5}">
+                      <a16:colId xmlns:a16="http://schemas.microsoft.com/office/drawing/2014/main" val="20000"/>
+                    </a:ext>
+                  </a:extLst>
+                </a:gridCol>
               </a:tblGrid>
               <a:tr h="152657">
                 <a:tc>
@@ -11440,6 +11738,11 @@
                     </a:lnBlToTr>
                   </a:tcPr>
                 </a:tc>
+                <a:extLst>
+                  <a:ext uri="{0D108BD9-81ED-4DB2-BD59-A6C34878D82A}">
+                    <a16:rowId xmlns:a16="http://schemas.microsoft.com/office/drawing/2014/main" val="10000"/>
+                  </a:ext>
+                </a:extLst>
               </a:tr>
               <a:tr h="152657">
                 <a:tc>
@@ -11474,6 +11777,11 @@
                     </a:lnBlToTr>
                   </a:tcPr>
                 </a:tc>
+                <a:extLst>
+                  <a:ext uri="{0D108BD9-81ED-4DB2-BD59-A6C34878D82A}">
+                    <a16:rowId xmlns:a16="http://schemas.microsoft.com/office/drawing/2014/main" val="10001"/>
+                  </a:ext>
+                </a:extLst>
               </a:tr>
               <a:tr h="152657">
                 <a:tc>
@@ -11508,6 +11816,11 @@
                     </a:lnBlToTr>
                   </a:tcPr>
                 </a:tc>
+                <a:extLst>
+                  <a:ext uri="{0D108BD9-81ED-4DB2-BD59-A6C34878D82A}">
+                    <a16:rowId xmlns:a16="http://schemas.microsoft.com/office/drawing/2014/main" val="10002"/>
+                  </a:ext>
+                </a:extLst>
               </a:tr>
               <a:tr h="152657">
                 <a:tc>
@@ -11542,6 +11855,11 @@
                     </a:lnBlToTr>
                   </a:tcPr>
                 </a:tc>
+                <a:extLst>
+                  <a:ext uri="{0D108BD9-81ED-4DB2-BD59-A6C34878D82A}">
+                    <a16:rowId xmlns:a16="http://schemas.microsoft.com/office/drawing/2014/main" val="10003"/>
+                  </a:ext>
+                </a:extLst>
               </a:tr>
               <a:tr h="152657">
                 <a:tc>
@@ -11576,6 +11894,11 @@
                     </a:lnBlToTr>
                   </a:tcPr>
                 </a:tc>
+                <a:extLst>
+                  <a:ext uri="{0D108BD9-81ED-4DB2-BD59-A6C34878D82A}">
+                    <a16:rowId xmlns:a16="http://schemas.microsoft.com/office/drawing/2014/main" val="10004"/>
+                  </a:ext>
+                </a:extLst>
               </a:tr>
               <a:tr h="152657">
                 <a:tc>
@@ -11610,6 +11933,11 @@
                     </a:lnBlToTr>
                   </a:tcPr>
                 </a:tc>
+                <a:extLst>
+                  <a:ext uri="{0D108BD9-81ED-4DB2-BD59-A6C34878D82A}">
+                    <a16:rowId xmlns:a16="http://schemas.microsoft.com/office/drawing/2014/main" val="10005"/>
+                  </a:ext>
+                </a:extLst>
               </a:tr>
               <a:tr h="152657">
                 <a:tc>
@@ -11644,6 +11972,11 @@
                     </a:lnBlToTr>
                   </a:tcPr>
                 </a:tc>
+                <a:extLst>
+                  <a:ext uri="{0D108BD9-81ED-4DB2-BD59-A6C34878D82A}">
+                    <a16:rowId xmlns:a16="http://schemas.microsoft.com/office/drawing/2014/main" val="10006"/>
+                  </a:ext>
+                </a:extLst>
               </a:tr>
               <a:tr h="152657">
                 <a:tc>
@@ -11678,6 +12011,11 @@
                     </a:lnBlToTr>
                   </a:tcPr>
                 </a:tc>
+                <a:extLst>
+                  <a:ext uri="{0D108BD9-81ED-4DB2-BD59-A6C34878D82A}">
+                    <a16:rowId xmlns:a16="http://schemas.microsoft.com/office/drawing/2014/main" val="10007"/>
+                  </a:ext>
+                </a:extLst>
               </a:tr>
               <a:tr h="152657">
                 <a:tc>
@@ -11712,6 +12050,11 @@
                     </a:lnBlToTr>
                   </a:tcPr>
                 </a:tc>
+                <a:extLst>
+                  <a:ext uri="{0D108BD9-81ED-4DB2-BD59-A6C34878D82A}">
+                    <a16:rowId xmlns:a16="http://schemas.microsoft.com/office/drawing/2014/main" val="10008"/>
+                  </a:ext>
+                </a:extLst>
               </a:tr>
               <a:tr h="152657">
                 <a:tc>
@@ -11746,6 +12089,11 @@
                     </a:lnBlToTr>
                   </a:tcPr>
                 </a:tc>
+                <a:extLst>
+                  <a:ext uri="{0D108BD9-81ED-4DB2-BD59-A6C34878D82A}">
+                    <a16:rowId xmlns:a16="http://schemas.microsoft.com/office/drawing/2014/main" val="10009"/>
+                  </a:ext>
+                </a:extLst>
               </a:tr>
               <a:tr h="152657">
                 <a:tc>
@@ -11780,6 +12128,11 @@
                     </a:lnBlToTr>
                   </a:tcPr>
                 </a:tc>
+                <a:extLst>
+                  <a:ext uri="{0D108BD9-81ED-4DB2-BD59-A6C34878D82A}">
+                    <a16:rowId xmlns:a16="http://schemas.microsoft.com/office/drawing/2014/main" val="10010"/>
+                  </a:ext>
+                </a:extLst>
               </a:tr>
               <a:tr h="152657">
                 <a:tc>
@@ -11814,6 +12167,11 @@
                     </a:lnBlToTr>
                   </a:tcPr>
                 </a:tc>
+                <a:extLst>
+                  <a:ext uri="{0D108BD9-81ED-4DB2-BD59-A6C34878D82A}">
+                    <a16:rowId xmlns:a16="http://schemas.microsoft.com/office/drawing/2014/main" val="10011"/>
+                  </a:ext>
+                </a:extLst>
               </a:tr>
               <a:tr h="152657">
                 <a:tc>
@@ -11848,6 +12206,11 @@
                     </a:lnBlToTr>
                   </a:tcPr>
                 </a:tc>
+                <a:extLst>
+                  <a:ext uri="{0D108BD9-81ED-4DB2-BD59-A6C34878D82A}">
+                    <a16:rowId xmlns:a16="http://schemas.microsoft.com/office/drawing/2014/main" val="10012"/>
+                  </a:ext>
+                </a:extLst>
               </a:tr>
               <a:tr h="152657">
                 <a:tc>
@@ -11882,6 +12245,11 @@
                     </a:lnBlToTr>
                   </a:tcPr>
                 </a:tc>
+                <a:extLst>
+                  <a:ext uri="{0D108BD9-81ED-4DB2-BD59-A6C34878D82A}">
+                    <a16:rowId xmlns:a16="http://schemas.microsoft.com/office/drawing/2014/main" val="10013"/>
+                  </a:ext>
+                </a:extLst>
               </a:tr>
               <a:tr h="152657">
                 <a:tc>
@@ -11916,6 +12284,11 @@
                     </a:lnBlToTr>
                   </a:tcPr>
                 </a:tc>
+                <a:extLst>
+                  <a:ext uri="{0D108BD9-81ED-4DB2-BD59-A6C34878D82A}">
+                    <a16:rowId xmlns:a16="http://schemas.microsoft.com/office/drawing/2014/main" val="10014"/>
+                  </a:ext>
+                </a:extLst>
               </a:tr>
               <a:tr h="152657">
                 <a:tc>
@@ -11950,6 +12323,11 @@
                     </a:lnBlToTr>
                   </a:tcPr>
                 </a:tc>
+                <a:extLst>
+                  <a:ext uri="{0D108BD9-81ED-4DB2-BD59-A6C34878D82A}">
+                    <a16:rowId xmlns:a16="http://schemas.microsoft.com/office/drawing/2014/main" val="10015"/>
+                  </a:ext>
+                </a:extLst>
               </a:tr>
               <a:tr h="152657">
                 <a:tc>
@@ -11984,6 +12362,11 @@
                     </a:lnBlToTr>
                   </a:tcPr>
                 </a:tc>
+                <a:extLst>
+                  <a:ext uri="{0D108BD9-81ED-4DB2-BD59-A6C34878D82A}">
+                    <a16:rowId xmlns:a16="http://schemas.microsoft.com/office/drawing/2014/main" val="10016"/>
+                  </a:ext>
+                </a:extLst>
               </a:tr>
               <a:tr h="152657">
                 <a:tc>
@@ -12018,6 +12401,11 @@
                     </a:lnBlToTr>
                   </a:tcPr>
                 </a:tc>
+                <a:extLst>
+                  <a:ext uri="{0D108BD9-81ED-4DB2-BD59-A6C34878D82A}">
+                    <a16:rowId xmlns:a16="http://schemas.microsoft.com/office/drawing/2014/main" val="10017"/>
+                  </a:ext>
+                </a:extLst>
               </a:tr>
               <a:tr h="152657">
                 <a:tc>
@@ -12052,6 +12440,11 @@
                     </a:lnBlToTr>
                   </a:tcPr>
                 </a:tc>
+                <a:extLst>
+                  <a:ext uri="{0D108BD9-81ED-4DB2-BD59-A6C34878D82A}">
+                    <a16:rowId xmlns:a16="http://schemas.microsoft.com/office/drawing/2014/main" val="10018"/>
+                  </a:ext>
+                </a:extLst>
               </a:tr>
               <a:tr h="152657">
                 <a:tc>
@@ -12086,6 +12479,11 @@
                     </a:lnBlToTr>
                   </a:tcPr>
                 </a:tc>
+                <a:extLst>
+                  <a:ext uri="{0D108BD9-81ED-4DB2-BD59-A6C34878D82A}">
+                    <a16:rowId xmlns:a16="http://schemas.microsoft.com/office/drawing/2014/main" val="10019"/>
+                  </a:ext>
+                </a:extLst>
               </a:tr>
               <a:tr h="152657">
                 <a:tc>
@@ -12120,6 +12518,11 @@
                     </a:lnBlToTr>
                   </a:tcPr>
                 </a:tc>
+                <a:extLst>
+                  <a:ext uri="{0D108BD9-81ED-4DB2-BD59-A6C34878D82A}">
+                    <a16:rowId xmlns:a16="http://schemas.microsoft.com/office/drawing/2014/main" val="10020"/>
+                  </a:ext>
+                </a:extLst>
               </a:tr>
               <a:tr h="152657">
                 <a:tc>
@@ -12154,6 +12557,11 @@
                     </a:lnBlToTr>
                   </a:tcPr>
                 </a:tc>
+                <a:extLst>
+                  <a:ext uri="{0D108BD9-81ED-4DB2-BD59-A6C34878D82A}">
+                    <a16:rowId xmlns:a16="http://schemas.microsoft.com/office/drawing/2014/main" val="10021"/>
+                  </a:ext>
+                </a:extLst>
               </a:tr>
               <a:tr h="152657">
                 <a:tc>
@@ -12188,6 +12596,11 @@
                     </a:lnBlToTr>
                   </a:tcPr>
                 </a:tc>
+                <a:extLst>
+                  <a:ext uri="{0D108BD9-81ED-4DB2-BD59-A6C34878D82A}">
+                    <a16:rowId xmlns:a16="http://schemas.microsoft.com/office/drawing/2014/main" val="10022"/>
+                  </a:ext>
+                </a:extLst>
               </a:tr>
               <a:tr h="152657">
                 <a:tc>
@@ -12222,6 +12635,11 @@
                     </a:lnBlToTr>
                   </a:tcPr>
                 </a:tc>
+                <a:extLst>
+                  <a:ext uri="{0D108BD9-81ED-4DB2-BD59-A6C34878D82A}">
+                    <a16:rowId xmlns:a16="http://schemas.microsoft.com/office/drawing/2014/main" val="10023"/>
+                  </a:ext>
+                </a:extLst>
               </a:tr>
             </a:tbl>
           </a:graphicData>
@@ -12246,7 +12664,7 @@
             <p:cNvPr id="3" name="TextBox 2">
               <a:extLst>
                 <a:ext uri="{FF2B5EF4-FFF2-40B4-BE49-F238E27FC236}">
-                  <a16:creationId xmlns="" xmlns:a16="http://schemas.microsoft.com/office/drawing/2014/main" id="{A1687216-9C76-4F29-934C-F430DF40C5FA}"/>
+                  <a16:creationId xmlns:a16="http://schemas.microsoft.com/office/drawing/2014/main" id="{A1687216-9C76-4F29-934C-F430DF40C5FA}"/>
                 </a:ext>
               </a:extLst>
             </p:cNvPr>
@@ -14401,7 +14819,7 @@
             <p:cNvPr id="4" name="TextBox 3">
               <a:extLst>
                 <a:ext uri="{FF2B5EF4-FFF2-40B4-BE49-F238E27FC236}">
-                  <a16:creationId xmlns="" xmlns:a16="http://schemas.microsoft.com/office/drawing/2014/main" id="{A1687216-9C76-4F29-934C-F430DF40C5FA}"/>
+                  <a16:creationId xmlns:a16="http://schemas.microsoft.com/office/drawing/2014/main" id="{A1687216-9C76-4F29-934C-F430DF40C5FA}"/>
                 </a:ext>
               </a:extLst>
             </p:cNvPr>
@@ -16100,6 +16518,14 @@
   <p:clrMapOvr>
     <a:masterClrMapping/>
   </p:clrMapOvr>
+  <mc:AlternateContent xmlns:mc="http://schemas.openxmlformats.org/markup-compatibility/2006" xmlns:p14="http://schemas.microsoft.com/office/powerpoint/2010/main">
+    <mc:Choice Requires="p14">
+      <p:transition p14:dur="0" advClick="0"/>
+    </mc:Choice>
+    <mc:Fallback xmlns="">
+      <p:transition advClick="0"/>
+    </mc:Fallback>
+  </mc:AlternateContent>
   <p:timing>
     <p:tnLst>
       <p:par>
@@ -16113,6 +16539,14 @@
 <file path=ppt/slides/slide7.xml><?xml version="1.0" encoding="utf-8"?>
 <p:sld xmlns:a="http://schemas.openxmlformats.org/drawingml/2006/main" xmlns:r="http://schemas.openxmlformats.org/officeDocument/2006/relationships" xmlns:p="http://schemas.openxmlformats.org/presentationml/2006/main">
   <p:cSld>
+    <p:bg>
+      <p:bgPr>
+        <a:solidFill>
+          <a:schemeClr val="bg1"/>
+        </a:solidFill>
+        <a:effectLst/>
+      </p:bgPr>
+    </p:bg>
     <p:spTree>
       <p:nvGrpSpPr>
         <p:cNvPr id="1" name=""/>
@@ -16127,6 +16561,52 @@
           <a:chExt cx="0" cy="0"/>
         </a:xfrm>
       </p:grpSpPr>
+      <p:sp>
+        <p:nvSpPr>
+          <p:cNvPr id="6" name="직사각형 5"/>
+          <p:cNvSpPr/>
+          <p:nvPr/>
+        </p:nvSpPr>
+        <p:spPr>
+          <a:xfrm>
+            <a:off x="6508868" y="3673542"/>
+            <a:ext cx="1303492" cy="92332"/>
+          </a:xfrm>
+          <a:prstGeom prst="rect">
+            <a:avLst/>
+          </a:prstGeom>
+        </p:spPr>
+        <p:txBody>
+          <a:bodyPr wrap="square" lIns="0" tIns="0" rIns="0" bIns="0">
+            <a:noAutofit/>
+          </a:bodyPr>
+          <a:lstStyle/>
+          <a:p>
+            <a:pPr algn="ctr"/>
+            <a:r>
+              <a:rPr lang="ko-KR" altLang="en-US" sz="600" b="1" dirty="0">
+                <a:ln>
+                  <a:solidFill>
+                    <a:schemeClr val="accent1">
+                      <a:shade val="50000"/>
+                      <a:alpha val="0"/>
+                    </a:schemeClr>
+                  </a:solidFill>
+                </a:ln>
+                <a:solidFill>
+                  <a:schemeClr val="tx1">
+                    <a:lumMod val="75000"/>
+                    <a:lumOff val="25000"/>
+                  </a:schemeClr>
+                </a:solidFill>
+                <a:latin typeface="한수원 한돋움" pitchFamily="50" charset="-127"/>
+                <a:ea typeface="한수원 한돋움" pitchFamily="50" charset="-127"/>
+              </a:rPr>
+              <a:t>https://qrgo.page.link/CNRmv</a:t>
+            </a:r>
+          </a:p>
+        </p:txBody>
+      </p:sp>
       <p:pic>
         <p:nvPicPr>
           <p:cNvPr id="2" name="그림 1"/>
@@ -16163,119 +16643,6 @@
           </a:effectLst>
         </p:spPr>
       </p:pic>
-      <p:grpSp>
-        <p:nvGrpSpPr>
-          <p:cNvPr id="4" name="그룹 3"/>
-          <p:cNvGrpSpPr/>
-          <p:nvPr/>
-        </p:nvGrpSpPr>
-        <p:grpSpPr>
-          <a:xfrm>
-            <a:off x="6806721" y="2427734"/>
-            <a:ext cx="1070298" cy="1070298"/>
-            <a:chOff x="5961464" y="1441718"/>
-            <a:chExt cx="782266" cy="782266"/>
-          </a:xfrm>
-        </p:grpSpPr>
-        <p:pic>
-          <p:nvPicPr>
-            <p:cNvPr id="2050" name="Picture 2" descr="QR Code Generator | Create Your Free QR Codes"/>
-            <p:cNvPicPr>
-              <a:picLocks noChangeAspect="1" noChangeArrowheads="1"/>
-            </p:cNvPicPr>
-            <p:nvPr/>
-          </p:nvPicPr>
-          <p:blipFill>
-            <a:blip r:embed="rId3" cstate="print">
-              <a:lum bright="70000" contrast="-70000"/>
-              <a:extLst>
-                <a:ext uri="{28A0092B-C50C-407E-A947-70E740481C1C}">
-                  <a14:useLocalDpi xmlns:a14="http://schemas.microsoft.com/office/drawing/2010/main" val="0"/>
-                </a:ext>
-              </a:extLst>
-            </a:blip>
-            <a:srcRect/>
-            <a:stretch>
-              <a:fillRect/>
-            </a:stretch>
-          </p:blipFill>
-          <p:spPr bwMode="auto">
-            <a:xfrm>
-              <a:off x="5961464" y="1441718"/>
-              <a:ext cx="782266" cy="782266"/>
-            </a:xfrm>
-            <a:prstGeom prst="rect">
-              <a:avLst/>
-            </a:prstGeom>
-            <a:noFill/>
-            <a:ln w="28575">
-              <a:solidFill>
-                <a:srgbClr val="8CBEFF"/>
-              </a:solidFill>
-            </a:ln>
-            <a:extLst>
-              <a:ext uri="{909E8E84-426E-40DD-AFC4-6F175D3DCCD1}">
-                <a14:hiddenFill xmlns:a14="http://schemas.microsoft.com/office/drawing/2010/main">
-                  <a:solidFill>
-                    <a:srgbClr val="FFFFFF"/>
-                  </a:solidFill>
-                </a14:hiddenFill>
-              </a:ext>
-            </a:extLst>
-          </p:spPr>
-        </p:pic>
-        <p:sp>
-          <p:nvSpPr>
-            <p:cNvPr id="3" name="직사각형 2"/>
-            <p:cNvSpPr/>
-            <p:nvPr/>
-          </p:nvSpPr>
-          <p:spPr>
-            <a:xfrm>
-              <a:off x="6048376" y="1719264"/>
-              <a:ext cx="607218" cy="252212"/>
-            </a:xfrm>
-            <a:prstGeom prst="rect">
-              <a:avLst/>
-            </a:prstGeom>
-            <a:solidFill>
-              <a:schemeClr val="bg1">
-                <a:lumMod val="75000"/>
-              </a:schemeClr>
-            </a:solidFill>
-            <a:ln>
-              <a:noFill/>
-            </a:ln>
-          </p:spPr>
-          <p:style>
-            <a:lnRef idx="2">
-              <a:schemeClr val="accent1">
-                <a:shade val="50000"/>
-              </a:schemeClr>
-            </a:lnRef>
-            <a:fillRef idx="1">
-              <a:schemeClr val="accent1"/>
-            </a:fillRef>
-            <a:effectRef idx="0">
-              <a:schemeClr val="accent1"/>
-            </a:effectRef>
-            <a:fontRef idx="minor">
-              <a:schemeClr val="lt1"/>
-            </a:fontRef>
-          </p:style>
-          <p:txBody>
-            <a:bodyPr rtlCol="0" anchor="ctr"/>
-            <a:lstStyle/>
-            <a:p>
-              <a:pPr algn="ctr"/>
-              <a:r>
-                <a:rPr lang="ko-KR" altLang="en-US" sz="800" b="1" dirty="0"/>
-                <a:t>임시로 넣음</a:t>
-              </a:r>
-            </a:p>
-          </p:txBody>
-        </p:sp>
-      </p:grpSp>
       <p:sp>
         <p:nvSpPr>
           <p:cNvPr id="5" name="직사각형 4"/>
@@ -16324,6 +16691,174 @@
           </a:p>
         </p:txBody>
       </p:sp>
+      <p:grpSp>
+        <p:nvGrpSpPr>
+          <p:cNvPr id="8" name="그룹 7"/>
+          <p:cNvGrpSpPr/>
+          <p:nvPr/>
+        </p:nvGrpSpPr>
+        <p:grpSpPr>
+          <a:xfrm>
+            <a:off x="6556448" y="2358168"/>
+            <a:ext cx="1208332" cy="1208332"/>
+            <a:chOff x="6806721" y="2427734"/>
+            <a:chExt cx="1069200" cy="1069200"/>
+          </a:xfrm>
+        </p:grpSpPr>
+        <p:pic>
+          <p:nvPicPr>
+            <p:cNvPr id="2050" name="Picture 2"/>
+            <p:cNvPicPr>
+              <a:picLocks noChangeAspect="1" noChangeArrowheads="1"/>
+            </p:cNvPicPr>
+            <p:nvPr/>
+          </p:nvPicPr>
+          <p:blipFill>
+            <a:blip r:embed="rId3">
+              <a:extLst>
+                <a:ext uri="{28A0092B-C50C-407E-A947-70E740481C1C}">
+                  <a14:useLocalDpi xmlns:a14="http://schemas.microsoft.com/office/drawing/2010/main" val="0"/>
+                </a:ext>
+              </a:extLst>
+            </a:blip>
+            <a:stretch>
+              <a:fillRect/>
+            </a:stretch>
+          </p:blipFill>
+          <p:spPr bwMode="auto">
+            <a:xfrm>
+              <a:off x="6852312" y="2473325"/>
+              <a:ext cx="979116" cy="979116"/>
+            </a:xfrm>
+            <a:prstGeom prst="rect">
+              <a:avLst/>
+            </a:prstGeom>
+            <a:noFill/>
+            <a:ln w="28575">
+              <a:noFill/>
+            </a:ln>
+            <a:extLst>
+              <a:ext uri="{909E8E84-426E-40DD-AFC4-6F175D3DCCD1}">
+                <a14:hiddenFill xmlns:a14="http://schemas.microsoft.com/office/drawing/2010/main">
+                  <a:solidFill>
+                    <a:srgbClr val="FFFFFF"/>
+                  </a:solidFill>
+                </a14:hiddenFill>
+              </a:ext>
+            </a:extLst>
+          </p:spPr>
+        </p:pic>
+        <p:sp>
+          <p:nvSpPr>
+            <p:cNvPr id="7" name="직사각형 6"/>
+            <p:cNvSpPr/>
+            <p:nvPr/>
+          </p:nvSpPr>
+          <p:spPr>
+            <a:xfrm>
+              <a:off x="6806721" y="2427734"/>
+              <a:ext cx="1069200" cy="1069200"/>
+            </a:xfrm>
+            <a:prstGeom prst="rect">
+              <a:avLst/>
+            </a:prstGeom>
+            <a:noFill/>
+            <a:ln w="28575">
+              <a:solidFill>
+                <a:srgbClr val="8CBEFF"/>
+              </a:solidFill>
+            </a:ln>
+            <a:extLst>
+              <a:ext uri="{909E8E84-426E-40DD-AFC4-6F175D3DCCD1}">
+                <a14:hiddenFill xmlns:a14="http://schemas.microsoft.com/office/drawing/2010/main">
+                  <a:solidFill>
+                    <a:srgbClr val="FFFFFF"/>
+                  </a:solidFill>
+                </a14:hiddenFill>
+              </a:ext>
+            </a:extLst>
+          </p:spPr>
+          <p:style>
+            <a:lnRef idx="2">
+              <a:schemeClr val="accent1">
+                <a:shade val="50000"/>
+              </a:schemeClr>
+            </a:lnRef>
+            <a:fillRef idx="1">
+              <a:schemeClr val="accent1"/>
+            </a:fillRef>
+            <a:effectRef idx="0">
+              <a:schemeClr val="accent1"/>
+            </a:effectRef>
+            <a:fontRef idx="minor">
+              <a:schemeClr val="lt1"/>
+            </a:fontRef>
+          </p:style>
+          <p:txBody>
+            <a:bodyPr rtlCol="0" anchor="ctr"/>
+            <a:lstStyle/>
+            <a:p>
+              <a:pPr algn="ctr"/>
+              <a:endParaRPr lang="ko-KR" altLang="en-US"/>
+            </a:p>
+          </p:txBody>
+        </p:sp>
+      </p:grpSp>
+      <p:sp>
+        <p:nvSpPr>
+          <p:cNvPr id="10" name="직사각형 9">
+            <a:hlinkClick r:id="rId4"/>
+          </p:cNvPr>
+          <p:cNvSpPr/>
+          <p:nvPr/>
+        </p:nvSpPr>
+        <p:spPr>
+          <a:xfrm>
+            <a:off x="6436860" y="2238580"/>
+            <a:ext cx="1447508" cy="1629314"/>
+          </a:xfrm>
+          <a:prstGeom prst="rect">
+            <a:avLst/>
+          </a:prstGeom>
+          <a:noFill/>
+          <a:ln w="28575">
+            <a:noFill/>
+          </a:ln>
+          <a:extLst>
+            <a:ext uri="{909E8E84-426E-40DD-AFC4-6F175D3DCCD1}">
+              <a14:hiddenFill xmlns:a14="http://schemas.microsoft.com/office/drawing/2010/main">
+                <a:solidFill>
+                  <a:srgbClr val="FFFFFF"/>
+                </a:solidFill>
+              </a14:hiddenFill>
+            </a:ext>
+          </a:extLst>
+        </p:spPr>
+        <p:style>
+          <a:lnRef idx="2">
+            <a:schemeClr val="accent1">
+              <a:shade val="50000"/>
+            </a:schemeClr>
+          </a:lnRef>
+          <a:fillRef idx="1">
+            <a:schemeClr val="accent1"/>
+          </a:fillRef>
+          <a:effectRef idx="0">
+            <a:schemeClr val="accent1"/>
+          </a:effectRef>
+          <a:fontRef idx="minor">
+            <a:schemeClr val="lt1"/>
+          </a:fontRef>
+        </p:style>
+        <p:txBody>
+          <a:bodyPr rtlCol="0" anchor="ctr"/>
+          <a:lstStyle/>
+          <a:p>
+            <a:pPr algn="ctr"/>
+            <a:endParaRPr lang="ko-KR" altLang="en-US"/>
+          </a:p>
+        </p:txBody>
+      </p:sp>
     </p:spTree>
     <p:extLst>
       <p:ext uri="{BB962C8B-B14F-4D97-AF65-F5344CB8AC3E}">
@@ -16334,6 +16869,14 @@
   <p:clrMapOvr>
     <a:masterClrMapping/>
   </p:clrMapOvr>
+  <mc:AlternateContent xmlns:mc="http://schemas.openxmlformats.org/markup-compatibility/2006" xmlns:p14="http://schemas.microsoft.com/office/powerpoint/2010/main">
+    <mc:Choice Requires="p14">
+      <p:transition p14:dur="0" advClick="0"/>
+    </mc:Choice>
+    <mc:Fallback xmlns="">
+      <p:transition advClick="0"/>
+    </mc:Fallback>
+  </mc:AlternateContent>
   <p:timing>
     <p:tnLst>
       <p:par>
@@ -16374,7 +16917,7 @@
           <p:cNvPr id="48" name="TextBox 47">
             <a:extLst>
               <a:ext uri="{FF2B5EF4-FFF2-40B4-BE49-F238E27FC236}">
-                <a16:creationId xmlns="" xmlns:a16="http://schemas.microsoft.com/office/drawing/2014/main" id="{7C6F9878-777C-4CD4-9613-851CABCDFC3E}"/>
+                <a16:creationId xmlns:a16="http://schemas.microsoft.com/office/drawing/2014/main" id="{7C6F9878-777C-4CD4-9613-851CABCDFC3E}"/>
               </a:ext>
             </a:extLst>
           </p:cNvPr>
@@ -16424,7 +16967,7 @@
           <p:cNvPr id="39" name="직사각형 38">
             <a:extLst>
               <a:ext uri="{FF2B5EF4-FFF2-40B4-BE49-F238E27FC236}">
-                <a16:creationId xmlns="" xmlns:a16="http://schemas.microsoft.com/office/drawing/2014/main" id="{5898757E-EC0B-47E5-9EA1-43BA79ABA10A}"/>
+                <a16:creationId xmlns:a16="http://schemas.microsoft.com/office/drawing/2014/main" id="{5898757E-EC0B-47E5-9EA1-43BA79ABA10A}"/>
               </a:ext>
             </a:extLst>
           </p:cNvPr>
@@ -17062,6 +17605,14 @@
   <p:clrMapOvr>
     <a:overrideClrMapping bg1="lt1" tx1="dk1" bg2="lt2" tx2="dk2" accent1="accent1" accent2="accent2" accent3="accent3" accent4="accent4" accent5="accent5" accent6="accent6" hlink="hlink" folHlink="folHlink"/>
   </p:clrMapOvr>
+  <mc:AlternateContent xmlns:mc="http://schemas.openxmlformats.org/markup-compatibility/2006">
+    <mc:Choice xmlns:p14="http://schemas.microsoft.com/office/powerpoint/2010/main" Requires="p14">
+      <p:transition p14:dur="0" advClick="0"/>
+    </mc:Choice>
+    <mc:Fallback>
+      <p:transition advClick="0"/>
+    </mc:Fallback>
+  </mc:AlternateContent>
   <p:timing>
     <p:tnLst>
       <p:par>
@@ -17361,7 +17912,7 @@
   <a:extraClrSchemeLst/>
   <a:extLst>
     <a:ext uri="{05A4C25C-085E-4340-85A3-A5531E510DB2}">
-      <thm15:themeFamily xmlns="" xmlns:thm15="http://schemas.microsoft.com/office/thememl/2012/main" name="Office Theme" id="{62F939B6-93AF-4DB8-9C6B-D6C7DFDC589F}" vid="{4A3C46E8-61CC-4603-A589-7422A47A8E4A}"/>
+      <thm15:themeFamily xmlns:thm15="http://schemas.microsoft.com/office/thememl/2012/main" name="Office Theme" id="{62F939B6-93AF-4DB8-9C6B-D6C7DFDC589F}" vid="{4A3C46E8-61CC-4603-A589-7422A47A8E4A}"/>
     </a:ext>
   </a:extLst>
 </a:theme>
